--- a/612-Final-Project.pptx
+++ b/612-Final-Project.pptx
@@ -10,11 +10,12 @@
     <p:sldId id="258" r:id="rId4"/>
     <p:sldId id="259" r:id="rId5"/>
     <p:sldId id="260" r:id="rId6"/>
-    <p:sldId id="261" r:id="rId7"/>
-    <p:sldId id="262" r:id="rId8"/>
-    <p:sldId id="263" r:id="rId9"/>
-    <p:sldId id="264" r:id="rId10"/>
-    <p:sldId id="265" r:id="rId11"/>
+    <p:sldId id="266" r:id="rId7"/>
+    <p:sldId id="261" r:id="rId8"/>
+    <p:sldId id="262" r:id="rId9"/>
+    <p:sldId id="263" r:id="rId10"/>
+    <p:sldId id="264" r:id="rId11"/>
+    <p:sldId id="265" r:id="rId12"/>
   </p:sldIdLst>
   <p:sldSz cx="12192000" cy="6858000"/>
   <p:notesSz cx="6858000" cy="9144000"/>
@@ -113,6 +114,11 @@
       </a:defRPr>
     </a:lvl9pPr>
   </p:defaultTextStyle>
+  <p:extLst>
+    <p:ext uri="{EFAFB233-063F-42B5-8137-9DF3F51BA10A}">
+      <p15:sldGuideLst xmlns:p15="http://schemas.microsoft.com/office/powerpoint/2012/main"/>
+    </p:ext>
+  </p:extLst>
 </p:presentation>
 </file>
 
@@ -263,7 +269,7 @@
           <a:p>
             <a:fld id="{1BBF27AB-8E4F-A541-B6CB-655D796282AE}" type="datetimeFigureOut">
               <a:rPr lang="en-US" smtClean="0"/>
-              <a:t>5/17/20</a:t>
+              <a:t>5/18/20</a:t>
             </a:fld>
             <a:endParaRPr lang="en-US"/>
           </a:p>
@@ -461,7 +467,7 @@
           <a:p>
             <a:fld id="{1BBF27AB-8E4F-A541-B6CB-655D796282AE}" type="datetimeFigureOut">
               <a:rPr lang="en-US" smtClean="0"/>
-              <a:t>5/17/20</a:t>
+              <a:t>5/18/20</a:t>
             </a:fld>
             <a:endParaRPr lang="en-US"/>
           </a:p>
@@ -669,7 +675,7 @@
           <a:p>
             <a:fld id="{1BBF27AB-8E4F-A541-B6CB-655D796282AE}" type="datetimeFigureOut">
               <a:rPr lang="en-US" smtClean="0"/>
-              <a:t>5/17/20</a:t>
+              <a:t>5/18/20</a:t>
             </a:fld>
             <a:endParaRPr lang="en-US"/>
           </a:p>
@@ -867,7 +873,7 @@
           <a:p>
             <a:fld id="{1BBF27AB-8E4F-A541-B6CB-655D796282AE}" type="datetimeFigureOut">
               <a:rPr lang="en-US" smtClean="0"/>
-              <a:t>5/17/20</a:t>
+              <a:t>5/18/20</a:t>
             </a:fld>
             <a:endParaRPr lang="en-US"/>
           </a:p>
@@ -1142,7 +1148,7 @@
           <a:p>
             <a:fld id="{1BBF27AB-8E4F-A541-B6CB-655D796282AE}" type="datetimeFigureOut">
               <a:rPr lang="en-US" smtClean="0"/>
-              <a:t>5/17/20</a:t>
+              <a:t>5/18/20</a:t>
             </a:fld>
             <a:endParaRPr lang="en-US"/>
           </a:p>
@@ -1407,7 +1413,7 @@
           <a:p>
             <a:fld id="{1BBF27AB-8E4F-A541-B6CB-655D796282AE}" type="datetimeFigureOut">
               <a:rPr lang="en-US" smtClean="0"/>
-              <a:t>5/17/20</a:t>
+              <a:t>5/18/20</a:t>
             </a:fld>
             <a:endParaRPr lang="en-US"/>
           </a:p>
@@ -1819,7 +1825,7 @@
           <a:p>
             <a:fld id="{1BBF27AB-8E4F-A541-B6CB-655D796282AE}" type="datetimeFigureOut">
               <a:rPr lang="en-US" smtClean="0"/>
-              <a:t>5/17/20</a:t>
+              <a:t>5/18/20</a:t>
             </a:fld>
             <a:endParaRPr lang="en-US"/>
           </a:p>
@@ -1960,7 +1966,7 @@
           <a:p>
             <a:fld id="{1BBF27AB-8E4F-A541-B6CB-655D796282AE}" type="datetimeFigureOut">
               <a:rPr lang="en-US" smtClean="0"/>
-              <a:t>5/17/20</a:t>
+              <a:t>5/18/20</a:t>
             </a:fld>
             <a:endParaRPr lang="en-US"/>
           </a:p>
@@ -2073,7 +2079,7 @@
           <a:p>
             <a:fld id="{1BBF27AB-8E4F-A541-B6CB-655D796282AE}" type="datetimeFigureOut">
               <a:rPr lang="en-US" smtClean="0"/>
-              <a:t>5/17/20</a:t>
+              <a:t>5/18/20</a:t>
             </a:fld>
             <a:endParaRPr lang="en-US"/>
           </a:p>
@@ -2384,7 +2390,7 @@
           <a:p>
             <a:fld id="{1BBF27AB-8E4F-A541-B6CB-655D796282AE}" type="datetimeFigureOut">
               <a:rPr lang="en-US" smtClean="0"/>
-              <a:t>5/17/20</a:t>
+              <a:t>5/18/20</a:t>
             </a:fld>
             <a:endParaRPr lang="en-US"/>
           </a:p>
@@ -2672,7 +2678,7 @@
           <a:p>
             <a:fld id="{1BBF27AB-8E4F-A541-B6CB-655D796282AE}" type="datetimeFigureOut">
               <a:rPr lang="en-US" smtClean="0"/>
-              <a:t>5/17/20</a:t>
+              <a:t>5/18/20</a:t>
             </a:fld>
             <a:endParaRPr lang="en-US"/>
           </a:p>
@@ -2913,7 +2919,7 @@
           <a:p>
             <a:fld id="{1BBF27AB-8E4F-A541-B6CB-655D796282AE}" type="datetimeFigureOut">
               <a:rPr lang="en-US" smtClean="0"/>
-              <a:t>5/17/20</a:t>
+              <a:t>5/18/20</a:t>
             </a:fld>
             <a:endParaRPr lang="en-US"/>
           </a:p>
@@ -3510,6 +3516,278 @@
           <a:p>
             <a:r>
               <a:rPr lang="en-US" b="1" dirty="0"/>
+              <a:t>Recommendation</a:t>
+            </a:r>
+            <a:br>
+              <a:rPr lang="en-US" b="1" dirty="0"/>
+            </a:br>
+            <a:r>
+              <a:rPr lang="en-US" sz="2400" b="1" dirty="0">
+                <a:solidFill>
+                  <a:schemeClr val="bg1">
+                    <a:lumMod val="50000"/>
+                  </a:schemeClr>
+                </a:solidFill>
+              </a:rPr>
+              <a:t>Word prediction</a:t>
+            </a:r>
+            <a:endParaRPr lang="en-US" b="1" dirty="0">
+              <a:solidFill>
+                <a:schemeClr val="bg1">
+                  <a:lumMod val="50000"/>
+                </a:schemeClr>
+              </a:solidFill>
+            </a:endParaRPr>
+          </a:p>
+        </p:txBody>
+      </p:sp>
+      <p:pic>
+        <p:nvPicPr>
+          <p:cNvPr id="5" name="Picture 4">
+            <a:extLst>
+              <a:ext uri="{FF2B5EF4-FFF2-40B4-BE49-F238E27FC236}">
+                <a16:creationId xmlns:a16="http://schemas.microsoft.com/office/drawing/2014/main" id="{24D3C02A-728B-8647-81D5-40C7EBFA76F1}"/>
+              </a:ext>
+            </a:extLst>
+          </p:cNvPr>
+          <p:cNvPicPr>
+            <a:picLocks noChangeAspect="1"/>
+          </p:cNvPicPr>
+          <p:nvPr/>
+        </p:nvPicPr>
+        <p:blipFill>
+          <a:blip r:embed="rId2"/>
+          <a:stretch>
+            <a:fillRect/>
+          </a:stretch>
+        </p:blipFill>
+        <p:spPr>
+          <a:xfrm>
+            <a:off x="10381812" y="5925659"/>
+            <a:ext cx="1590630" cy="761124"/>
+          </a:xfrm>
+          <a:prstGeom prst="rect">
+            <a:avLst/>
+          </a:prstGeom>
+        </p:spPr>
+      </p:pic>
+      <p:sp>
+        <p:nvSpPr>
+          <p:cNvPr id="9" name="TextBox 8">
+            <a:extLst>
+              <a:ext uri="{FF2B5EF4-FFF2-40B4-BE49-F238E27FC236}">
+                <a16:creationId xmlns:a16="http://schemas.microsoft.com/office/drawing/2014/main" id="{13EEE0BE-25A7-B349-B2D7-A8FADA13E86C}"/>
+              </a:ext>
+            </a:extLst>
+          </p:cNvPr>
+          <p:cNvSpPr txBox="1"/>
+          <p:nvPr/>
+        </p:nvSpPr>
+        <p:spPr>
+          <a:xfrm>
+            <a:off x="2243427" y="4938392"/>
+            <a:ext cx="2413867" cy="369332"/>
+          </a:xfrm>
+          <a:prstGeom prst="rect">
+            <a:avLst/>
+          </a:prstGeom>
+          <a:noFill/>
+        </p:spPr>
+        <p:txBody>
+          <a:bodyPr wrap="none" rtlCol="0">
+            <a:spAutoFit/>
+          </a:bodyPr>
+          <a:lstStyle/>
+          <a:p>
+            <a:pPr algn="ctr"/>
+            <a:r>
+              <a:rPr lang="en-US" dirty="0"/>
+              <a:t>Movie predicted ratings</a:t>
+            </a:r>
+          </a:p>
+        </p:txBody>
+      </p:sp>
+      <p:pic>
+        <p:nvPicPr>
+          <p:cNvPr id="6" name="Picture 5">
+            <a:extLst>
+              <a:ext uri="{FF2B5EF4-FFF2-40B4-BE49-F238E27FC236}">
+                <a16:creationId xmlns:a16="http://schemas.microsoft.com/office/drawing/2014/main" id="{849A0EA0-D6B4-B347-8FCB-7E2F3C1C9154}"/>
+              </a:ext>
+            </a:extLst>
+          </p:cNvPr>
+          <p:cNvPicPr>
+            <a:picLocks noChangeAspect="1"/>
+          </p:cNvPicPr>
+          <p:nvPr/>
+        </p:nvPicPr>
+        <p:blipFill>
+          <a:blip r:embed="rId3"/>
+          <a:stretch>
+            <a:fillRect/>
+          </a:stretch>
+        </p:blipFill>
+        <p:spPr>
+          <a:xfrm>
+            <a:off x="252247" y="2447433"/>
+            <a:ext cx="6396221" cy="2103546"/>
+          </a:xfrm>
+          <a:prstGeom prst="rect">
+            <a:avLst/>
+          </a:prstGeom>
+        </p:spPr>
+      </p:pic>
+      <p:pic>
+        <p:nvPicPr>
+          <p:cNvPr id="7" name="Picture 6">
+            <a:extLst>
+              <a:ext uri="{FF2B5EF4-FFF2-40B4-BE49-F238E27FC236}">
+                <a16:creationId xmlns:a16="http://schemas.microsoft.com/office/drawing/2014/main" id="{AC67126D-52B9-8040-8820-6E72A7D340EE}"/>
+              </a:ext>
+            </a:extLst>
+          </p:cNvPr>
+          <p:cNvPicPr>
+            <a:picLocks noChangeAspect="1"/>
+          </p:cNvPicPr>
+          <p:nvPr/>
+        </p:nvPicPr>
+        <p:blipFill>
+          <a:blip r:embed="rId4"/>
+          <a:stretch>
+            <a:fillRect/>
+          </a:stretch>
+        </p:blipFill>
+        <p:spPr>
+          <a:xfrm>
+            <a:off x="8435426" y="2412216"/>
+            <a:ext cx="1946386" cy="952662"/>
+          </a:xfrm>
+          <a:prstGeom prst="rect">
+            <a:avLst/>
+          </a:prstGeom>
+        </p:spPr>
+      </p:pic>
+      <p:pic>
+        <p:nvPicPr>
+          <p:cNvPr id="8" name="Picture 7">
+            <a:extLst>
+              <a:ext uri="{FF2B5EF4-FFF2-40B4-BE49-F238E27FC236}">
+                <a16:creationId xmlns:a16="http://schemas.microsoft.com/office/drawing/2014/main" id="{E8765D5A-5422-E249-8707-DC4FB306E8E7}"/>
+              </a:ext>
+            </a:extLst>
+          </p:cNvPr>
+          <p:cNvPicPr>
+            <a:picLocks noChangeAspect="1"/>
+          </p:cNvPicPr>
+          <p:nvPr/>
+        </p:nvPicPr>
+        <p:blipFill>
+          <a:blip r:embed="rId5"/>
+          <a:stretch>
+            <a:fillRect/>
+          </a:stretch>
+        </p:blipFill>
+        <p:spPr>
+          <a:xfrm>
+            <a:off x="7052659" y="3284136"/>
+            <a:ext cx="4711919" cy="1208741"/>
+          </a:xfrm>
+          <a:prstGeom prst="rect">
+            <a:avLst/>
+          </a:prstGeom>
+        </p:spPr>
+      </p:pic>
+      <p:sp>
+        <p:nvSpPr>
+          <p:cNvPr id="10" name="TextBox 9">
+            <a:extLst>
+              <a:ext uri="{FF2B5EF4-FFF2-40B4-BE49-F238E27FC236}">
+                <a16:creationId xmlns:a16="http://schemas.microsoft.com/office/drawing/2014/main" id="{A24435E9-626A-0B46-93A4-E97CC6392229}"/>
+              </a:ext>
+            </a:extLst>
+          </p:cNvPr>
+          <p:cNvSpPr txBox="1"/>
+          <p:nvPr/>
+        </p:nvSpPr>
+        <p:spPr>
+          <a:xfrm>
+            <a:off x="7837968" y="4839936"/>
+            <a:ext cx="3141309" cy="369332"/>
+          </a:xfrm>
+          <a:prstGeom prst="rect">
+            <a:avLst/>
+          </a:prstGeom>
+          <a:noFill/>
+        </p:spPr>
+        <p:txBody>
+          <a:bodyPr wrap="none" rtlCol="0">
+            <a:spAutoFit/>
+          </a:bodyPr>
+          <a:lstStyle/>
+          <a:p>
+            <a:pPr algn="ctr"/>
+            <a:r>
+              <a:rPr lang="en-US" dirty="0"/>
+              <a:t>Prediction based on given word</a:t>
+            </a:r>
+          </a:p>
+        </p:txBody>
+      </p:sp>
+    </p:spTree>
+    <p:extLst>
+      <p:ext uri="{BB962C8B-B14F-4D97-AF65-F5344CB8AC3E}">
+        <p14:creationId xmlns:p14="http://schemas.microsoft.com/office/powerpoint/2010/main" val="3408338097"/>
+      </p:ext>
+    </p:extLst>
+  </p:cSld>
+  <p:clrMapOvr>
+    <a:masterClrMapping/>
+  </p:clrMapOvr>
+</p:sld>
+</file>
+
+<file path=ppt/slides/slide11.xml><?xml version="1.0" encoding="utf-8"?>
+<p:sld xmlns:a="http://schemas.openxmlformats.org/drawingml/2006/main" xmlns:r="http://schemas.openxmlformats.org/officeDocument/2006/relationships" xmlns:p="http://schemas.openxmlformats.org/presentationml/2006/main">
+  <p:cSld>
+    <p:spTree>
+      <p:nvGrpSpPr>
+        <p:cNvPr id="1" name=""/>
+        <p:cNvGrpSpPr/>
+        <p:nvPr/>
+      </p:nvGrpSpPr>
+      <p:grpSpPr>
+        <a:xfrm>
+          <a:off x="0" y="0"/>
+          <a:ext cx="0" cy="0"/>
+          <a:chOff x="0" y="0"/>
+          <a:chExt cx="0" cy="0"/>
+        </a:xfrm>
+      </p:grpSpPr>
+      <p:sp>
+        <p:nvSpPr>
+          <p:cNvPr id="2" name="Title 1">
+            <a:extLst>
+              <a:ext uri="{FF2B5EF4-FFF2-40B4-BE49-F238E27FC236}">
+                <a16:creationId xmlns:a16="http://schemas.microsoft.com/office/drawing/2014/main" id="{0D5E5A0D-0E8F-E240-8A98-81658898B6F7}"/>
+              </a:ext>
+            </a:extLst>
+          </p:cNvPr>
+          <p:cNvSpPr>
+            <a:spLocks noGrp="1"/>
+          </p:cNvSpPr>
+          <p:nvPr>
+            <p:ph type="title"/>
+          </p:nvPr>
+        </p:nvSpPr>
+        <p:spPr/>
+        <p:txBody>
+          <a:bodyPr>
+            <a:normAutofit/>
+          </a:bodyPr>
+          <a:lstStyle/>
+          <a:p>
+            <a:r>
+              <a:rPr lang="en-US" b="1" dirty="0"/>
               <a:t>Conclusions</a:t>
             </a:r>
             <a:br>
@@ -4872,7 +5150,7 @@
           <a:p>
             <a:r>
               <a:rPr lang="en-US" b="1" dirty="0"/>
-              <a:t>TF-IDF</a:t>
+              <a:t>Data</a:t>
             </a:r>
             <a:br>
               <a:rPr lang="en-US" b="1" dirty="0"/>
@@ -4885,7 +5163,7 @@
                   </a:schemeClr>
                 </a:solidFill>
               </a:rPr>
-              <a:t>Sparse vectors generated with word weights</a:t>
+              <a:t>Punctuation is removed</a:t>
             </a:r>
             <a:endParaRPr lang="en-US" b="1" dirty="0">
               <a:solidFill>
@@ -4941,8 +5219,8 @@
         </p:nvSpPr>
         <p:spPr>
           <a:xfrm>
-            <a:off x="2615015" y="5740993"/>
-            <a:ext cx="7611186" cy="369332"/>
+            <a:off x="3822236" y="5917493"/>
+            <a:ext cx="4547527" cy="369332"/>
           </a:xfrm>
           <a:prstGeom prst="rect">
             <a:avLst/>
@@ -4957,7 +5235,7 @@
           <a:p>
             <a:r>
               <a:rPr lang="en-US" dirty="0"/>
-              <a:t>Words tokenized, cleaned and TF and IDF calculated to compute TF-IDF weights</a:t>
+              <a:t>REGEX function is used to remove punctuation</a:t>
             </a:r>
           </a:p>
         </p:txBody>
@@ -4967,7 +5245,7 @@
           <p:cNvPr id="3" name="Picture 2">
             <a:extLst>
               <a:ext uri="{FF2B5EF4-FFF2-40B4-BE49-F238E27FC236}">
-                <a16:creationId xmlns:a16="http://schemas.microsoft.com/office/drawing/2014/main" id="{660A9509-6880-C142-805D-E41C3F261BF0}"/>
+                <a16:creationId xmlns:a16="http://schemas.microsoft.com/office/drawing/2014/main" id="{9F49E639-3A95-AF4B-BB3E-7ADDF8772C04}"/>
               </a:ext>
             </a:extLst>
           </p:cNvPr>
@@ -4984,98 +5262,8 @@
         </p:blipFill>
         <p:spPr>
           <a:xfrm>
-            <a:off x="420414" y="1774168"/>
-            <a:ext cx="6330543" cy="1631183"/>
-          </a:xfrm>
-          <a:prstGeom prst="rect">
-            <a:avLst/>
-          </a:prstGeom>
-        </p:spPr>
-      </p:pic>
-      <p:pic>
-        <p:nvPicPr>
-          <p:cNvPr id="4" name="Picture 3">
-            <a:extLst>
-              <a:ext uri="{FF2B5EF4-FFF2-40B4-BE49-F238E27FC236}">
-                <a16:creationId xmlns:a16="http://schemas.microsoft.com/office/drawing/2014/main" id="{CF860F97-9335-1C42-96B4-27F5946A632B}"/>
-              </a:ext>
-            </a:extLst>
-          </p:cNvPr>
-          <p:cNvPicPr>
-            <a:picLocks noChangeAspect="1"/>
-          </p:cNvPicPr>
-          <p:nvPr/>
-        </p:nvPicPr>
-        <p:blipFill>
-          <a:blip r:embed="rId4"/>
-          <a:stretch>
-            <a:fillRect/>
-          </a:stretch>
-        </p:blipFill>
-        <p:spPr>
-          <a:xfrm>
-            <a:off x="420414" y="3405351"/>
-            <a:ext cx="2514600" cy="317500"/>
-          </a:xfrm>
-          <a:prstGeom prst="rect">
-            <a:avLst/>
-          </a:prstGeom>
-        </p:spPr>
-      </p:pic>
-      <p:pic>
-        <p:nvPicPr>
-          <p:cNvPr id="6" name="Picture 5">
-            <a:extLst>
-              <a:ext uri="{FF2B5EF4-FFF2-40B4-BE49-F238E27FC236}">
-                <a16:creationId xmlns:a16="http://schemas.microsoft.com/office/drawing/2014/main" id="{6DA57E83-F565-FF4F-8AF0-671CB33291B1}"/>
-              </a:ext>
-            </a:extLst>
-          </p:cNvPr>
-          <p:cNvPicPr>
-            <a:picLocks noChangeAspect="1"/>
-          </p:cNvPicPr>
-          <p:nvPr/>
-        </p:nvPicPr>
-        <p:blipFill>
-          <a:blip r:embed="rId5"/>
-          <a:stretch>
-            <a:fillRect/>
-          </a:stretch>
-        </p:blipFill>
-        <p:spPr>
-          <a:xfrm>
-            <a:off x="6234935" y="3405351"/>
-            <a:ext cx="4847987" cy="1913017"/>
-          </a:xfrm>
-          <a:prstGeom prst="rect">
-            <a:avLst/>
-          </a:prstGeom>
-        </p:spPr>
-      </p:pic>
-      <p:pic>
-        <p:nvPicPr>
-          <p:cNvPr id="7" name="Picture 6">
-            <a:extLst>
-              <a:ext uri="{FF2B5EF4-FFF2-40B4-BE49-F238E27FC236}">
-                <a16:creationId xmlns:a16="http://schemas.microsoft.com/office/drawing/2014/main" id="{93402DA4-574A-864E-8C0C-5ABC8ECC829D}"/>
-              </a:ext>
-            </a:extLst>
-          </p:cNvPr>
-          <p:cNvPicPr>
-            <a:picLocks noChangeAspect="1"/>
-          </p:cNvPicPr>
-          <p:nvPr/>
-        </p:nvPicPr>
-        <p:blipFill>
-          <a:blip r:embed="rId6"/>
-          <a:stretch>
-            <a:fillRect/>
-          </a:stretch>
-        </p:blipFill>
-        <p:spPr>
-          <a:xfrm>
-            <a:off x="6254743" y="5329913"/>
-            <a:ext cx="2527300" cy="292100"/>
+            <a:off x="3168901" y="1678744"/>
+            <a:ext cx="5528680" cy="4062249"/>
           </a:xfrm>
           <a:prstGeom prst="rect">
             <a:avLst/>
@@ -5085,7 +5273,7 @@
     </p:spTree>
     <p:extLst>
       <p:ext uri="{BB962C8B-B14F-4D97-AF65-F5344CB8AC3E}">
-        <p14:creationId xmlns:p14="http://schemas.microsoft.com/office/powerpoint/2010/main" val="1927999465"/>
+        <p14:creationId xmlns:p14="http://schemas.microsoft.com/office/powerpoint/2010/main" val="2051470831"/>
       </p:ext>
     </p:extLst>
   </p:cSld>
@@ -5130,22 +5318,12 @@
         </p:nvSpPr>
         <p:spPr/>
         <p:txBody>
-          <a:bodyPr>
-            <a:normAutofit/>
-          </a:bodyPr>
-          <a:lstStyle/>
-          <a:p>
-            <a:r>
-              <a:rPr lang="en-US" b="1" dirty="0" err="1"/>
-              <a:t>pySPark</a:t>
-            </a:r>
+          <a:bodyPr/>
+          <a:lstStyle/>
+          <a:p>
             <a:r>
               <a:rPr lang="en-US" b="1" dirty="0"/>
-              <a:t> </a:t>
-            </a:r>
-            <a:r>
-              <a:rPr lang="en-US" b="1" dirty="0" err="1"/>
-              <a:t>dataframe</a:t>
+              <a:t>TF-IDF</a:t>
             </a:r>
             <a:br>
               <a:rPr lang="en-US" b="1" dirty="0"/>
@@ -5158,17 +5336,7 @@
                   </a:schemeClr>
                 </a:solidFill>
               </a:rPr>
-              <a:t>Sparse vectors added to a new </a:t>
-            </a:r>
-            <a:r>
-              <a:rPr lang="en-US" sz="2400" b="1" dirty="0" err="1">
-                <a:solidFill>
-                  <a:schemeClr val="bg1">
-                    <a:lumMod val="50000"/>
-                  </a:schemeClr>
-                </a:solidFill>
-              </a:rPr>
-              <a:t>dataframe</a:t>
+              <a:t>Sparse vectors generated with word weights</a:t>
             </a:r>
             <a:endParaRPr lang="en-US" b="1" dirty="0">
               <a:solidFill>
@@ -5224,8 +5392,8 @@
         </p:nvSpPr>
         <p:spPr>
           <a:xfrm>
-            <a:off x="3343894" y="5836330"/>
-            <a:ext cx="4936993" cy="646331"/>
+            <a:off x="2615015" y="5740993"/>
+            <a:ext cx="7611186" cy="369332"/>
           </a:xfrm>
           <a:prstGeom prst="rect">
             <a:avLst/>
@@ -5238,32 +5406,19 @@
           </a:bodyPr>
           <a:lstStyle/>
           <a:p>
-            <a:pPr algn="ctr"/>
             <a:r>
               <a:rPr lang="en-US" dirty="0"/>
-              <a:t>Slow process using Koalas spark </a:t>
-            </a:r>
-            <a:r>
-              <a:rPr lang="en-US" dirty="0" err="1"/>
-              <a:t>dataframe</a:t>
-            </a:r>
-            <a:endParaRPr lang="en-US" dirty="0"/>
-          </a:p>
-          <a:p>
-            <a:pPr algn="ctr"/>
-            <a:r>
-              <a:rPr lang="en-US" dirty="0"/>
-              <a:t>Parallelizing append loop did not speed up process</a:t>
+              <a:t>Words tokenized, cleaned and TF and IDF calculated to compute TF-IDF weights</a:t>
             </a:r>
           </a:p>
         </p:txBody>
       </p:sp>
       <p:pic>
         <p:nvPicPr>
-          <p:cNvPr id="11" name="Picture 10">
-            <a:extLst>
-              <a:ext uri="{FF2B5EF4-FFF2-40B4-BE49-F238E27FC236}">
-                <a16:creationId xmlns:a16="http://schemas.microsoft.com/office/drawing/2014/main" id="{9503CD53-B698-6549-91C5-6019177E701E}"/>
+          <p:cNvPr id="3" name="Picture 2">
+            <a:extLst>
+              <a:ext uri="{FF2B5EF4-FFF2-40B4-BE49-F238E27FC236}">
+                <a16:creationId xmlns:a16="http://schemas.microsoft.com/office/drawing/2014/main" id="{660A9509-6880-C142-805D-E41C3F261BF0}"/>
               </a:ext>
             </a:extLst>
           </p:cNvPr>
@@ -5280,8 +5435,8 @@
         </p:blipFill>
         <p:spPr>
           <a:xfrm>
-            <a:off x="6731234" y="1690688"/>
-            <a:ext cx="4303287" cy="3610303"/>
+            <a:off x="420414" y="1774168"/>
+            <a:ext cx="6330543" cy="1631183"/>
           </a:xfrm>
           <a:prstGeom prst="rect">
             <a:avLst/>
@@ -5290,10 +5445,10 @@
       </p:pic>
       <p:pic>
         <p:nvPicPr>
-          <p:cNvPr id="12" name="Picture 11">
-            <a:extLst>
-              <a:ext uri="{FF2B5EF4-FFF2-40B4-BE49-F238E27FC236}">
-                <a16:creationId xmlns:a16="http://schemas.microsoft.com/office/drawing/2014/main" id="{6FC0C0B2-32F7-7648-AD28-6F2FAE566024}"/>
+          <p:cNvPr id="4" name="Picture 3">
+            <a:extLst>
+              <a:ext uri="{FF2B5EF4-FFF2-40B4-BE49-F238E27FC236}">
+                <a16:creationId xmlns:a16="http://schemas.microsoft.com/office/drawing/2014/main" id="{CF860F97-9335-1C42-96B4-27F5946A632B}"/>
               </a:ext>
             </a:extLst>
           </p:cNvPr>
@@ -5310,8 +5465,8 @@
         </p:blipFill>
         <p:spPr>
           <a:xfrm>
-            <a:off x="6655019" y="5346152"/>
-            <a:ext cx="2476500" cy="342900"/>
+            <a:off x="420414" y="3405351"/>
+            <a:ext cx="2514600" cy="317500"/>
           </a:xfrm>
           <a:prstGeom prst="rect">
             <a:avLst/>
@@ -5320,10 +5475,10 @@
       </p:pic>
       <p:pic>
         <p:nvPicPr>
-          <p:cNvPr id="13" name="Picture 12">
-            <a:extLst>
-              <a:ext uri="{FF2B5EF4-FFF2-40B4-BE49-F238E27FC236}">
-                <a16:creationId xmlns:a16="http://schemas.microsoft.com/office/drawing/2014/main" id="{299165A8-2F99-344A-8E6C-F0CB3DB5ADC7}"/>
+          <p:cNvPr id="6" name="Picture 5">
+            <a:extLst>
+              <a:ext uri="{FF2B5EF4-FFF2-40B4-BE49-F238E27FC236}">
+                <a16:creationId xmlns:a16="http://schemas.microsoft.com/office/drawing/2014/main" id="{6DA57E83-F565-FF4F-8AF0-671CB33291B1}"/>
               </a:ext>
             </a:extLst>
           </p:cNvPr>
@@ -5340,8 +5495,8 @@
         </p:blipFill>
         <p:spPr>
           <a:xfrm>
-            <a:off x="838200" y="2127551"/>
-            <a:ext cx="4003468" cy="2255262"/>
+            <a:off x="6234935" y="3405351"/>
+            <a:ext cx="4847987" cy="1913017"/>
           </a:xfrm>
           <a:prstGeom prst="rect">
             <a:avLst/>
@@ -5350,10 +5505,10 @@
       </p:pic>
       <p:pic>
         <p:nvPicPr>
-          <p:cNvPr id="14" name="Picture 13">
-            <a:extLst>
-              <a:ext uri="{FF2B5EF4-FFF2-40B4-BE49-F238E27FC236}">
-                <a16:creationId xmlns:a16="http://schemas.microsoft.com/office/drawing/2014/main" id="{F66CF928-B559-1B44-99AF-046B8AF6925E}"/>
+          <p:cNvPr id="7" name="Picture 6">
+            <a:extLst>
+              <a:ext uri="{FF2B5EF4-FFF2-40B4-BE49-F238E27FC236}">
+                <a16:creationId xmlns:a16="http://schemas.microsoft.com/office/drawing/2014/main" id="{93402DA4-574A-864E-8C0C-5ABC8ECC829D}"/>
               </a:ext>
             </a:extLst>
           </p:cNvPr>
@@ -5370,8 +5525,8 @@
         </p:blipFill>
         <p:spPr>
           <a:xfrm>
-            <a:off x="822900" y="4358767"/>
-            <a:ext cx="2476500" cy="355600"/>
+            <a:off x="6254743" y="5329913"/>
+            <a:ext cx="2527300" cy="292100"/>
           </a:xfrm>
           <a:prstGeom prst="rect">
             <a:avLst/>
@@ -5381,7 +5536,7 @@
     </p:spTree>
     <p:extLst>
       <p:ext uri="{BB962C8B-B14F-4D97-AF65-F5344CB8AC3E}">
-        <p14:creationId xmlns:p14="http://schemas.microsoft.com/office/powerpoint/2010/main" val="387622922"/>
+        <p14:creationId xmlns:p14="http://schemas.microsoft.com/office/powerpoint/2010/main" val="1927999465"/>
       </p:ext>
     </p:extLst>
   </p:cSld>
@@ -5432,8 +5587,16 @@
           <a:lstStyle/>
           <a:p>
             <a:r>
+              <a:rPr lang="en-US" b="1" dirty="0" err="1"/>
+              <a:t>pySPark</a:t>
+            </a:r>
+            <a:r>
               <a:rPr lang="en-US" b="1" dirty="0"/>
-              <a:t>Model</a:t>
+              <a:t> </a:t>
+            </a:r>
+            <a:r>
+              <a:rPr lang="en-US" b="1" dirty="0" err="1"/>
+              <a:t>dataframe</a:t>
             </a:r>
             <a:br>
               <a:rPr lang="en-US" b="1" dirty="0"/>
@@ -5446,7 +5609,17 @@
                   </a:schemeClr>
                 </a:solidFill>
               </a:rPr>
-              <a:t>ALS model</a:t>
+              <a:t>Sparse vectors added to a new </a:t>
+            </a:r>
+            <a:r>
+              <a:rPr lang="en-US" sz="2400" b="1" dirty="0" err="1">
+                <a:solidFill>
+                  <a:schemeClr val="bg1">
+                    <a:lumMod val="50000"/>
+                  </a:schemeClr>
+                </a:solidFill>
+              </a:rPr>
+              <a:t>dataframe</a:t>
             </a:r>
             <a:endParaRPr lang="en-US" b="1" dirty="0">
               <a:solidFill>
@@ -5502,8 +5675,8 @@
         </p:nvSpPr>
         <p:spPr>
           <a:xfrm>
-            <a:off x="4158936" y="5773268"/>
-            <a:ext cx="3159776" cy="369332"/>
+            <a:off x="3343894" y="5836330"/>
+            <a:ext cx="4936993" cy="646331"/>
           </a:xfrm>
           <a:prstGeom prst="rect">
             <a:avLst/>
@@ -5518,22 +5691,30 @@
           <a:p>
             <a:pPr algn="ctr"/>
             <a:r>
+              <a:rPr lang="en-US" dirty="0"/>
+              <a:t>Slow process using Koalas spark </a:t>
+            </a:r>
+            <a:r>
               <a:rPr lang="en-US" dirty="0" err="1"/>
-              <a:t>pyspark.ml</a:t>
-            </a:r>
+              <a:t>dataframe</a:t>
+            </a:r>
+            <a:endParaRPr lang="en-US" dirty="0"/>
+          </a:p>
+          <a:p>
+            <a:pPr algn="ctr"/>
             <a:r>
               <a:rPr lang="en-US" dirty="0"/>
-              <a:t> ALS model with k=8 </a:t>
+              <a:t>Parallelizing append loop did not speed up process</a:t>
             </a:r>
           </a:p>
         </p:txBody>
       </p:sp>
       <p:pic>
         <p:nvPicPr>
-          <p:cNvPr id="3" name="Picture 2">
-            <a:extLst>
-              <a:ext uri="{FF2B5EF4-FFF2-40B4-BE49-F238E27FC236}">
-                <a16:creationId xmlns:a16="http://schemas.microsoft.com/office/drawing/2014/main" id="{15FFD884-7B7A-7B49-B6CC-AA3D9E6F4220}"/>
+          <p:cNvPr id="11" name="Picture 10">
+            <a:extLst>
+              <a:ext uri="{FF2B5EF4-FFF2-40B4-BE49-F238E27FC236}">
+                <a16:creationId xmlns:a16="http://schemas.microsoft.com/office/drawing/2014/main" id="{9503CD53-B698-6549-91C5-6019177E701E}"/>
               </a:ext>
             </a:extLst>
           </p:cNvPr>
@@ -5550,8 +5731,8 @@
         </p:blipFill>
         <p:spPr>
           <a:xfrm>
-            <a:off x="472966" y="1690688"/>
-            <a:ext cx="5100376" cy="2222348"/>
+            <a:off x="6731234" y="1690688"/>
+            <a:ext cx="4303287" cy="3610303"/>
           </a:xfrm>
           <a:prstGeom prst="rect">
             <a:avLst/>
@@ -5560,10 +5741,10 @@
       </p:pic>
       <p:pic>
         <p:nvPicPr>
-          <p:cNvPr id="4" name="Picture 3">
-            <a:extLst>
-              <a:ext uri="{FF2B5EF4-FFF2-40B4-BE49-F238E27FC236}">
-                <a16:creationId xmlns:a16="http://schemas.microsoft.com/office/drawing/2014/main" id="{0D5D8154-A114-C84E-9B93-D7E687AC1E53}"/>
+          <p:cNvPr id="12" name="Picture 11">
+            <a:extLst>
+              <a:ext uri="{FF2B5EF4-FFF2-40B4-BE49-F238E27FC236}">
+                <a16:creationId xmlns:a16="http://schemas.microsoft.com/office/drawing/2014/main" id="{6FC0C0B2-32F7-7648-AD28-6F2FAE566024}"/>
               </a:ext>
             </a:extLst>
           </p:cNvPr>
@@ -5580,8 +5761,68 @@
         </p:blipFill>
         <p:spPr>
           <a:xfrm>
-            <a:off x="6096000" y="1690688"/>
-            <a:ext cx="5168555" cy="3749211"/>
+            <a:off x="6655019" y="5346152"/>
+            <a:ext cx="2476500" cy="342900"/>
+          </a:xfrm>
+          <a:prstGeom prst="rect">
+            <a:avLst/>
+          </a:prstGeom>
+        </p:spPr>
+      </p:pic>
+      <p:pic>
+        <p:nvPicPr>
+          <p:cNvPr id="13" name="Picture 12">
+            <a:extLst>
+              <a:ext uri="{FF2B5EF4-FFF2-40B4-BE49-F238E27FC236}">
+                <a16:creationId xmlns:a16="http://schemas.microsoft.com/office/drawing/2014/main" id="{299165A8-2F99-344A-8E6C-F0CB3DB5ADC7}"/>
+              </a:ext>
+            </a:extLst>
+          </p:cNvPr>
+          <p:cNvPicPr>
+            <a:picLocks noChangeAspect="1"/>
+          </p:cNvPicPr>
+          <p:nvPr/>
+        </p:nvPicPr>
+        <p:blipFill>
+          <a:blip r:embed="rId5"/>
+          <a:stretch>
+            <a:fillRect/>
+          </a:stretch>
+        </p:blipFill>
+        <p:spPr>
+          <a:xfrm>
+            <a:off x="838200" y="2127551"/>
+            <a:ext cx="4003468" cy="2255262"/>
+          </a:xfrm>
+          <a:prstGeom prst="rect">
+            <a:avLst/>
+          </a:prstGeom>
+        </p:spPr>
+      </p:pic>
+      <p:pic>
+        <p:nvPicPr>
+          <p:cNvPr id="14" name="Picture 13">
+            <a:extLst>
+              <a:ext uri="{FF2B5EF4-FFF2-40B4-BE49-F238E27FC236}">
+                <a16:creationId xmlns:a16="http://schemas.microsoft.com/office/drawing/2014/main" id="{F66CF928-B559-1B44-99AF-046B8AF6925E}"/>
+              </a:ext>
+            </a:extLst>
+          </p:cNvPr>
+          <p:cNvPicPr>
+            <a:picLocks noChangeAspect="1"/>
+          </p:cNvPicPr>
+          <p:nvPr/>
+        </p:nvPicPr>
+        <p:blipFill>
+          <a:blip r:embed="rId6"/>
+          <a:stretch>
+            <a:fillRect/>
+          </a:stretch>
+        </p:blipFill>
+        <p:spPr>
+          <a:xfrm>
+            <a:off x="822900" y="4358767"/>
+            <a:ext cx="2476500" cy="355600"/>
           </a:xfrm>
           <a:prstGeom prst="rect">
             <a:avLst/>
@@ -5591,7 +5832,7 @@
     </p:spTree>
     <p:extLst>
       <p:ext uri="{BB962C8B-B14F-4D97-AF65-F5344CB8AC3E}">
-        <p14:creationId xmlns:p14="http://schemas.microsoft.com/office/powerpoint/2010/main" val="1374901985"/>
+        <p14:creationId xmlns:p14="http://schemas.microsoft.com/office/powerpoint/2010/main" val="387622922"/>
       </p:ext>
     </p:extLst>
   </p:cSld>
@@ -5643,7 +5884,7 @@
           <a:p>
             <a:r>
               <a:rPr lang="en-US" b="1" dirty="0"/>
-              <a:t>Recommendation</a:t>
+              <a:t>Model</a:t>
             </a:r>
             <a:br>
               <a:rPr lang="en-US" b="1" dirty="0"/>
@@ -5656,7 +5897,7 @@
                   </a:schemeClr>
                 </a:solidFill>
               </a:rPr>
-              <a:t>Word prediction</a:t>
+              <a:t>ALS model</a:t>
             </a:r>
             <a:endParaRPr lang="en-US" b="1" dirty="0">
               <a:solidFill>
@@ -5712,8 +5953,8 @@
         </p:nvSpPr>
         <p:spPr>
           <a:xfrm>
-            <a:off x="2243427" y="4938392"/>
-            <a:ext cx="2413867" cy="369332"/>
+            <a:off x="4158936" y="5773268"/>
+            <a:ext cx="3159776" cy="369332"/>
           </a:xfrm>
           <a:prstGeom prst="rect">
             <a:avLst/>
@@ -5728,18 +5969,22 @@
           <a:p>
             <a:pPr algn="ctr"/>
             <a:r>
+              <a:rPr lang="en-US" dirty="0" err="1"/>
+              <a:t>pyspark.ml</a:t>
+            </a:r>
+            <a:r>
               <a:rPr lang="en-US" dirty="0"/>
-              <a:t>Movie predicted ratings</a:t>
+              <a:t> ALS model with k=8 </a:t>
             </a:r>
           </a:p>
         </p:txBody>
       </p:sp>
       <p:pic>
         <p:nvPicPr>
-          <p:cNvPr id="6" name="Picture 5">
-            <a:extLst>
-              <a:ext uri="{FF2B5EF4-FFF2-40B4-BE49-F238E27FC236}">
-                <a16:creationId xmlns:a16="http://schemas.microsoft.com/office/drawing/2014/main" id="{849A0EA0-D6B4-B347-8FCB-7E2F3C1C9154}"/>
+          <p:cNvPr id="3" name="Picture 2">
+            <a:extLst>
+              <a:ext uri="{FF2B5EF4-FFF2-40B4-BE49-F238E27FC236}">
+                <a16:creationId xmlns:a16="http://schemas.microsoft.com/office/drawing/2014/main" id="{15FFD884-7B7A-7B49-B6CC-AA3D9E6F4220}"/>
               </a:ext>
             </a:extLst>
           </p:cNvPr>
@@ -5756,8 +6001,8 @@
         </p:blipFill>
         <p:spPr>
           <a:xfrm>
-            <a:off x="252247" y="2447433"/>
-            <a:ext cx="6396221" cy="2103546"/>
+            <a:off x="472966" y="1690688"/>
+            <a:ext cx="5100376" cy="2222348"/>
           </a:xfrm>
           <a:prstGeom prst="rect">
             <a:avLst/>
@@ -5766,10 +6011,10 @@
       </p:pic>
       <p:pic>
         <p:nvPicPr>
-          <p:cNvPr id="7" name="Picture 6">
-            <a:extLst>
-              <a:ext uri="{FF2B5EF4-FFF2-40B4-BE49-F238E27FC236}">
-                <a16:creationId xmlns:a16="http://schemas.microsoft.com/office/drawing/2014/main" id="{AC67126D-52B9-8040-8820-6E72A7D340EE}"/>
+          <p:cNvPr id="4" name="Picture 3">
+            <a:extLst>
+              <a:ext uri="{FF2B5EF4-FFF2-40B4-BE49-F238E27FC236}">
+                <a16:creationId xmlns:a16="http://schemas.microsoft.com/office/drawing/2014/main" id="{0D5D8154-A114-C84E-9B93-D7E687AC1E53}"/>
               </a:ext>
             </a:extLst>
           </p:cNvPr>
@@ -5786,84 +6031,18 @@
         </p:blipFill>
         <p:spPr>
           <a:xfrm>
-            <a:off x="8435426" y="2412216"/>
-            <a:ext cx="1946386" cy="952662"/>
+            <a:off x="6096000" y="1690688"/>
+            <a:ext cx="5168555" cy="3749211"/>
           </a:xfrm>
           <a:prstGeom prst="rect">
             <a:avLst/>
           </a:prstGeom>
         </p:spPr>
       </p:pic>
-      <p:pic>
-        <p:nvPicPr>
-          <p:cNvPr id="8" name="Picture 7">
-            <a:extLst>
-              <a:ext uri="{FF2B5EF4-FFF2-40B4-BE49-F238E27FC236}">
-                <a16:creationId xmlns:a16="http://schemas.microsoft.com/office/drawing/2014/main" id="{E8765D5A-5422-E249-8707-DC4FB306E8E7}"/>
-              </a:ext>
-            </a:extLst>
-          </p:cNvPr>
-          <p:cNvPicPr>
-            <a:picLocks noChangeAspect="1"/>
-          </p:cNvPicPr>
-          <p:nvPr/>
-        </p:nvPicPr>
-        <p:blipFill>
-          <a:blip r:embed="rId5"/>
-          <a:stretch>
-            <a:fillRect/>
-          </a:stretch>
-        </p:blipFill>
-        <p:spPr>
-          <a:xfrm>
-            <a:off x="7052659" y="3284136"/>
-            <a:ext cx="4711919" cy="1208741"/>
-          </a:xfrm>
-          <a:prstGeom prst="rect">
-            <a:avLst/>
-          </a:prstGeom>
-        </p:spPr>
-      </p:pic>
-      <p:sp>
-        <p:nvSpPr>
-          <p:cNvPr id="10" name="TextBox 9">
-            <a:extLst>
-              <a:ext uri="{FF2B5EF4-FFF2-40B4-BE49-F238E27FC236}">
-                <a16:creationId xmlns:a16="http://schemas.microsoft.com/office/drawing/2014/main" id="{A24435E9-626A-0B46-93A4-E97CC6392229}"/>
-              </a:ext>
-            </a:extLst>
-          </p:cNvPr>
-          <p:cNvSpPr txBox="1"/>
-          <p:nvPr/>
-        </p:nvSpPr>
-        <p:spPr>
-          <a:xfrm>
-            <a:off x="7837968" y="4839936"/>
-            <a:ext cx="3141309" cy="369332"/>
-          </a:xfrm>
-          <a:prstGeom prst="rect">
-            <a:avLst/>
-          </a:prstGeom>
-          <a:noFill/>
-        </p:spPr>
-        <p:txBody>
-          <a:bodyPr wrap="none" rtlCol="0">
-            <a:spAutoFit/>
-          </a:bodyPr>
-          <a:lstStyle/>
-          <a:p>
-            <a:pPr algn="ctr"/>
-            <a:r>
-              <a:rPr lang="en-US" dirty="0"/>
-              <a:t>Prediction based on given word</a:t>
-            </a:r>
-          </a:p>
-        </p:txBody>
-      </p:sp>
     </p:spTree>
     <p:extLst>
       <p:ext uri="{BB962C8B-B14F-4D97-AF65-F5344CB8AC3E}">
-        <p14:creationId xmlns:p14="http://schemas.microsoft.com/office/powerpoint/2010/main" val="3408338097"/>
+        <p14:creationId xmlns:p14="http://schemas.microsoft.com/office/powerpoint/2010/main" val="1374901985"/>
       </p:ext>
     </p:extLst>
   </p:cSld>
